--- a/platform/examples/examples.vdw/docs/Examples_VDW.pptx
+++ b/platform/examples/examples.vdw/docs/Examples_VDW.pptx
@@ -261,7 +261,7 @@
           <a:p>
             <a:fld id="{D5B82AE6-E612-48AC-BCA1-8D558D7A7716}" type="datetimeFigureOut">
               <a:rPr lang="en-DE" smtClean="0"/>
-              <a:t>10/10/2022</a:t>
+              <a:t>27/03/2024</a:t>
             </a:fld>
             <a:endParaRPr lang="en-DE"/>
           </a:p>
@@ -315,7 +315,7 @@
           <a:p>
             <a:fld id="{A0229028-759D-4210-9927-1485AD01E42E}" type="slidenum">
               <a:rPr lang="en-DE" smtClean="0"/>
-              <a:t>‹Nr.›</a:t>
+              <a:t>‹#›</a:t>
             </a:fld>
             <a:endParaRPr lang="en-DE"/>
           </a:p>
@@ -461,7 +461,7 @@
           <a:p>
             <a:fld id="{D5B82AE6-E612-48AC-BCA1-8D558D7A7716}" type="datetimeFigureOut">
               <a:rPr lang="en-DE" smtClean="0"/>
-              <a:t>10/10/2022</a:t>
+              <a:t>27/03/2024</a:t>
             </a:fld>
             <a:endParaRPr lang="en-DE"/>
           </a:p>
@@ -515,7 +515,7 @@
           <a:p>
             <a:fld id="{A0229028-759D-4210-9927-1485AD01E42E}" type="slidenum">
               <a:rPr lang="en-DE" smtClean="0"/>
-              <a:t>‹Nr.›</a:t>
+              <a:t>‹#›</a:t>
             </a:fld>
             <a:endParaRPr lang="en-DE"/>
           </a:p>
@@ -671,7 +671,7 @@
           <a:p>
             <a:fld id="{D5B82AE6-E612-48AC-BCA1-8D558D7A7716}" type="datetimeFigureOut">
               <a:rPr lang="en-DE" smtClean="0"/>
-              <a:t>10/10/2022</a:t>
+              <a:t>27/03/2024</a:t>
             </a:fld>
             <a:endParaRPr lang="en-DE"/>
           </a:p>
@@ -725,7 +725,7 @@
           <a:p>
             <a:fld id="{A0229028-759D-4210-9927-1485AD01E42E}" type="slidenum">
               <a:rPr lang="en-DE" smtClean="0"/>
-              <a:t>‹Nr.›</a:t>
+              <a:t>‹#›</a:t>
             </a:fld>
             <a:endParaRPr lang="en-DE"/>
           </a:p>
@@ -871,7 +871,7 @@
           <a:p>
             <a:fld id="{D5B82AE6-E612-48AC-BCA1-8D558D7A7716}" type="datetimeFigureOut">
               <a:rPr lang="en-DE" smtClean="0"/>
-              <a:t>10/10/2022</a:t>
+              <a:t>27/03/2024</a:t>
             </a:fld>
             <a:endParaRPr lang="en-DE"/>
           </a:p>
@@ -925,7 +925,7 @@
           <a:p>
             <a:fld id="{A0229028-759D-4210-9927-1485AD01E42E}" type="slidenum">
               <a:rPr lang="en-DE" smtClean="0"/>
-              <a:t>‹Nr.›</a:t>
+              <a:t>‹#›</a:t>
             </a:fld>
             <a:endParaRPr lang="en-DE"/>
           </a:p>
@@ -1147,7 +1147,7 @@
           <a:p>
             <a:fld id="{D5B82AE6-E612-48AC-BCA1-8D558D7A7716}" type="datetimeFigureOut">
               <a:rPr lang="en-DE" smtClean="0"/>
-              <a:t>10/10/2022</a:t>
+              <a:t>27/03/2024</a:t>
             </a:fld>
             <a:endParaRPr lang="en-DE"/>
           </a:p>
@@ -1201,7 +1201,7 @@
           <a:p>
             <a:fld id="{A0229028-759D-4210-9927-1485AD01E42E}" type="slidenum">
               <a:rPr lang="en-DE" smtClean="0"/>
-              <a:t>‹Nr.›</a:t>
+              <a:t>‹#›</a:t>
             </a:fld>
             <a:endParaRPr lang="en-DE"/>
           </a:p>
@@ -1415,7 +1415,7 @@
           <a:p>
             <a:fld id="{D5B82AE6-E612-48AC-BCA1-8D558D7A7716}" type="datetimeFigureOut">
               <a:rPr lang="en-DE" smtClean="0"/>
-              <a:t>10/10/2022</a:t>
+              <a:t>27/03/2024</a:t>
             </a:fld>
             <a:endParaRPr lang="en-DE"/>
           </a:p>
@@ -1469,7 +1469,7 @@
           <a:p>
             <a:fld id="{A0229028-759D-4210-9927-1485AD01E42E}" type="slidenum">
               <a:rPr lang="en-DE" smtClean="0"/>
-              <a:t>‹Nr.›</a:t>
+              <a:t>‹#›</a:t>
             </a:fld>
             <a:endParaRPr lang="en-DE"/>
           </a:p>
@@ -1830,7 +1830,7 @@
           <a:p>
             <a:fld id="{D5B82AE6-E612-48AC-BCA1-8D558D7A7716}" type="datetimeFigureOut">
               <a:rPr lang="en-DE" smtClean="0"/>
-              <a:t>10/10/2022</a:t>
+              <a:t>27/03/2024</a:t>
             </a:fld>
             <a:endParaRPr lang="en-DE"/>
           </a:p>
@@ -1884,7 +1884,7 @@
           <a:p>
             <a:fld id="{A0229028-759D-4210-9927-1485AD01E42E}" type="slidenum">
               <a:rPr lang="en-DE" smtClean="0"/>
-              <a:t>‹Nr.›</a:t>
+              <a:t>‹#›</a:t>
             </a:fld>
             <a:endParaRPr lang="en-DE"/>
           </a:p>
@@ -1972,7 +1972,7 @@
           <a:p>
             <a:fld id="{D5B82AE6-E612-48AC-BCA1-8D558D7A7716}" type="datetimeFigureOut">
               <a:rPr lang="en-DE" smtClean="0"/>
-              <a:t>10/10/2022</a:t>
+              <a:t>27/03/2024</a:t>
             </a:fld>
             <a:endParaRPr lang="en-DE"/>
           </a:p>
@@ -2026,7 +2026,7 @@
           <a:p>
             <a:fld id="{A0229028-759D-4210-9927-1485AD01E42E}" type="slidenum">
               <a:rPr lang="en-DE" smtClean="0"/>
-              <a:t>‹Nr.›</a:t>
+              <a:t>‹#›</a:t>
             </a:fld>
             <a:endParaRPr lang="en-DE"/>
           </a:p>
@@ -2085,7 +2085,7 @@
           <a:p>
             <a:fld id="{D5B82AE6-E612-48AC-BCA1-8D558D7A7716}" type="datetimeFigureOut">
               <a:rPr lang="en-DE" smtClean="0"/>
-              <a:t>10/10/2022</a:t>
+              <a:t>27/03/2024</a:t>
             </a:fld>
             <a:endParaRPr lang="en-DE"/>
           </a:p>
@@ -2139,7 +2139,7 @@
           <a:p>
             <a:fld id="{A0229028-759D-4210-9927-1485AD01E42E}" type="slidenum">
               <a:rPr lang="en-DE" smtClean="0"/>
-              <a:t>‹Nr.›</a:t>
+              <a:t>‹#›</a:t>
             </a:fld>
             <a:endParaRPr lang="en-DE"/>
           </a:p>
@@ -2398,7 +2398,7 @@
           <a:p>
             <a:fld id="{D5B82AE6-E612-48AC-BCA1-8D558D7A7716}" type="datetimeFigureOut">
               <a:rPr lang="en-DE" smtClean="0"/>
-              <a:t>10/10/2022</a:t>
+              <a:t>27/03/2024</a:t>
             </a:fld>
             <a:endParaRPr lang="en-DE"/>
           </a:p>
@@ -2452,7 +2452,7 @@
           <a:p>
             <a:fld id="{A0229028-759D-4210-9927-1485AD01E42E}" type="slidenum">
               <a:rPr lang="en-DE" smtClean="0"/>
-              <a:t>‹Nr.›</a:t>
+              <a:t>‹#›</a:t>
             </a:fld>
             <a:endParaRPr lang="en-DE"/>
           </a:p>
@@ -2687,7 +2687,7 @@
           <a:p>
             <a:fld id="{D5B82AE6-E612-48AC-BCA1-8D558D7A7716}" type="datetimeFigureOut">
               <a:rPr lang="en-DE" smtClean="0"/>
-              <a:t>10/10/2022</a:t>
+              <a:t>27/03/2024</a:t>
             </a:fld>
             <a:endParaRPr lang="en-DE"/>
           </a:p>
@@ -2741,7 +2741,7 @@
           <a:p>
             <a:fld id="{A0229028-759D-4210-9927-1485AD01E42E}" type="slidenum">
               <a:rPr lang="en-DE" smtClean="0"/>
-              <a:t>‹Nr.›</a:t>
+              <a:t>‹#›</a:t>
             </a:fld>
             <a:endParaRPr lang="en-DE"/>
           </a:p>
@@ -2930,7 +2930,7 @@
           <a:p>
             <a:fld id="{D5B82AE6-E612-48AC-BCA1-8D558D7A7716}" type="datetimeFigureOut">
               <a:rPr lang="en-DE" smtClean="0"/>
-              <a:t>10/10/2022</a:t>
+              <a:t>27/03/2024</a:t>
             </a:fld>
             <a:endParaRPr lang="en-DE"/>
           </a:p>
@@ -3020,7 +3020,7 @@
           <a:p>
             <a:fld id="{A0229028-759D-4210-9927-1485AD01E42E}" type="slidenum">
               <a:rPr lang="en-DE" smtClean="0"/>
-              <a:t>‹Nr.›</a:t>
+              <a:t>‹#›</a:t>
             </a:fld>
             <a:endParaRPr lang="en-DE"/>
           </a:p>
@@ -3428,7 +3428,7 @@
           <a:lstStyle/>
           <a:p>
             <a:r>
-              <a:rPr lang="en-GB" dirty="0" err="1" smtClean="0"/>
+              <a:rPr lang="en-GB" dirty="0" err="1"/>
               <a:t>Examples.vdw</a:t>
             </a:r>
             <a:endParaRPr lang="en-DE" sz="3000" dirty="0"/>
@@ -3464,68 +3464,54 @@
           <a:p>
             <a:r>
               <a:rPr lang="en-GB" sz="2000" dirty="0"/>
-              <a:t>This example tests the </a:t>
-            </a:r>
-            <a:r>
-              <a:rPr lang="en-GB" sz="2000" dirty="0" smtClean="0"/>
-              <a:t>use of a fully generated OPC UA connector within the IIP-Ecosphere platform.</a:t>
-            </a:r>
+              <a:t>This example tests the use of a fully generated OPC UA connector within the oktoflow platform.</a:t>
+            </a:r>
+          </a:p>
+          <a:p>
             <a:endParaRPr lang="en-GB" sz="2000" dirty="0"/>
           </a:p>
           <a:p>
+            <a:r>
+              <a:rPr lang="en-GB" sz="2000" dirty="0"/>
+              <a:t>The platform generates and uses an instantiated </a:t>
+            </a:r>
+            <a:r>
+              <a:rPr lang="en-GB" sz="2000" b="1" dirty="0"/>
+              <a:t>OPC UA Connector</a:t>
+            </a:r>
+            <a:r>
+              <a:rPr lang="en-GB" sz="2000" dirty="0"/>
+              <a:t> connect to the </a:t>
+            </a:r>
+            <a:r>
+              <a:rPr lang="en-GB" sz="2000" b="1" dirty="0"/>
+              <a:t>VDW/UMATI OPC UA server</a:t>
+            </a:r>
+            <a:r>
+              <a:rPr lang="en-GB" sz="2000" dirty="0"/>
+              <a:t> and read data. Monitored execution characteristics are written to the file “opcTest.txt”. An alternative, manually written, OPC UA connector is given for comparison.</a:t>
+            </a:r>
+          </a:p>
+          <a:p>
             <a:endParaRPr lang="en-GB" sz="2000" dirty="0"/>
           </a:p>
           <a:p>
             <a:r>
-              <a:rPr lang="en-GB" sz="2000" dirty="0" smtClean="0"/>
-              <a:t>The IIP-Ecosphere platform generates and uses a fully generated </a:t>
-            </a:r>
-            <a:r>
-              <a:rPr lang="en-GB" sz="2000" b="1" dirty="0" smtClean="0"/>
-              <a:t>OPC UA Connector</a:t>
-            </a:r>
-            <a:r>
-              <a:rPr lang="en-GB" sz="2000" dirty="0" smtClean="0"/>
-              <a:t> is used to  connect to the </a:t>
-            </a:r>
-            <a:r>
-              <a:rPr lang="en-GB" sz="2000" b="1" dirty="0" smtClean="0"/>
-              <a:t>VDW/UMATI OPC UA server</a:t>
-            </a:r>
-            <a:r>
-              <a:rPr lang="en-GB" sz="2000" dirty="0" smtClean="0"/>
-              <a:t> and read data that is written to an output File “opcTest.txt”. An alternative, manually written, OPC </a:t>
+              <a:rPr lang="en-GB" sz="2000" b="1" dirty="0"/>
+              <a:t>Sender service </a:t>
             </a:r>
             <a:r>
               <a:rPr lang="en-GB" sz="2000" dirty="0"/>
-              <a:t>U</a:t>
-            </a:r>
-            <a:r>
-              <a:rPr lang="en-GB" sz="2000" dirty="0" smtClean="0"/>
-              <a:t>A connector is given for comparison.</a:t>
-            </a:r>
-          </a:p>
-          <a:p>
-            <a:endParaRPr lang="en-GB" sz="2000" dirty="0"/>
-          </a:p>
-          <a:p>
-            <a:r>
-              <a:rPr lang="en-GB" sz="2000" b="1" dirty="0" smtClean="0"/>
-              <a:t>Sender service </a:t>
-            </a:r>
-            <a:r>
-              <a:rPr lang="en-GB" sz="2000" dirty="0" smtClean="0"/>
               <a:t>and </a:t>
             </a:r>
             <a:r>
-              <a:rPr lang="en-GB" sz="2000" b="1" dirty="0" smtClean="0"/>
+              <a:rPr lang="en-GB" sz="2000" b="1" dirty="0"/>
               <a:t>File output </a:t>
             </a:r>
             <a:r>
-              <a:rPr lang="en-GB" sz="2000" dirty="0" smtClean="0"/>
-              <a:t>are generic and not part of the application and hence showed as greyed out.</a:t>
-            </a:r>
-            <a:endParaRPr lang="en-GB" sz="2000" dirty="0"/>
+              <a:rPr lang="en-GB" sz="2000" dirty="0"/>
+              <a:t>are generic, used in the tests and not part of the generated application and hence showed as greyed out.</a:t>
+            </a:r>
           </a:p>
         </p:txBody>
       </p:sp>
@@ -3700,10 +3686,9 @@
           <a:lstStyle/>
           <a:p>
             <a:r>
-              <a:rPr lang="en-GB" b="1" dirty="0" smtClean="0"/>
+              <a:rPr lang="en-GB" b="1" dirty="0"/>
               <a:t>Generated OPC UA Connector</a:t>
             </a:r>
-            <a:endParaRPr lang="en-GB" b="1" dirty="0"/>
           </a:p>
           <a:p>
             <a:r>
@@ -3797,22 +3782,18 @@
           <a:lstStyle/>
           <a:p>
             <a:r>
-              <a:rPr lang="en-GB" b="1" dirty="0" smtClean="0"/>
+              <a:rPr lang="en-GB" b="1" dirty="0"/>
               <a:t>File output </a:t>
             </a:r>
             <a:r>
-              <a:rPr lang="en-GB" dirty="0" smtClean="0"/>
+              <a:rPr lang="en-GB" dirty="0"/>
               <a:t>“opcTest.txt”</a:t>
             </a:r>
           </a:p>
           <a:p>
             <a:r>
-              <a:rPr lang="en-GB" dirty="0" smtClean="0"/>
-              <a:t>Java</a:t>
-            </a:r>
-            <a:r>
               <a:rPr lang="en-GB" dirty="0"/>
-              <a:t>, </a:t>
+              <a:t>Java, </a:t>
             </a:r>
             <a:r>
               <a:rPr lang="en-GB" dirty="0" err="1"/>
@@ -3851,7 +3832,7 @@
           <a:lstStyle/>
           <a:p>
             <a:r>
-              <a:rPr lang="en-GB" dirty="0" smtClean="0"/>
+              <a:rPr lang="en-GB" dirty="0"/>
               <a:t>Read data</a:t>
             </a:r>
             <a:endParaRPr lang="en-DE" dirty="0"/>
@@ -3937,7 +3918,7 @@
           <a:lstStyle/>
           <a:p>
             <a:r>
-              <a:rPr lang="de-DE" sz="1500" dirty="0" err="1" smtClean="0"/>
+              <a:rPr lang="de-DE" sz="1500" dirty="0" err="1"/>
               <a:t>GeneratedConnector</a:t>
             </a:r>
             <a:endParaRPr lang="en-DE" sz="1500" dirty="0"/>
@@ -4025,16 +4006,11 @@
               <a:rPr lang="de-DE" b="1" dirty="0"/>
               <a:t>VDW/UMATI </a:t>
             </a:r>
-            <a:endParaRPr lang="de-DE" b="1" dirty="0" smtClean="0"/>
-          </a:p>
-          <a:p>
-            <a:r>
-              <a:rPr lang="de-DE" b="1" dirty="0" smtClean="0"/>
-              <a:t>OPC </a:t>
-            </a:r>
+          </a:p>
+          <a:p>
             <a:r>
               <a:rPr lang="de-DE" b="1" dirty="0"/>
-              <a:t>UA </a:t>
+              <a:t>OPC UA </a:t>
             </a:r>
             <a:r>
               <a:rPr lang="de-DE" b="1" dirty="0" err="1"/>
@@ -4117,13 +4093,52 @@
           <a:lstStyle/>
           <a:p>
             <a:r>
-              <a:rPr lang="en-GB" dirty="0" smtClean="0"/>
+              <a:rPr lang="en-GB" dirty="0"/>
               <a:t>Write data</a:t>
             </a:r>
             <a:endParaRPr lang="en-DE" dirty="0"/>
           </a:p>
         </p:txBody>
       </p:sp>
+      <p:pic>
+        <p:nvPicPr>
+          <p:cNvPr id="18" name="Picture 17" descr="oktoflow">
+            <a:extLst>
+              <a:ext uri="{FF2B5EF4-FFF2-40B4-BE49-F238E27FC236}">
+                <a16:creationId xmlns:a16="http://schemas.microsoft.com/office/drawing/2014/main" id="{FCBEF44C-9D12-4273-A8C1-A5C69280CE92}"/>
+              </a:ext>
+            </a:extLst>
+          </p:cNvPr>
+          <p:cNvPicPr/>
+          <p:nvPr/>
+        </p:nvPicPr>
+        <p:blipFill>
+          <a:blip r:embed="rId2" cstate="print">
+            <a:extLst>
+              <a:ext uri="{28A0092B-C50C-407E-A947-70E740481C1C}">
+                <a14:useLocalDpi xmlns:a14="http://schemas.microsoft.com/office/drawing/2010/main" val="0"/>
+              </a:ext>
+            </a:extLst>
+          </a:blip>
+          <a:srcRect/>
+          <a:stretch>
+            <a:fillRect/>
+          </a:stretch>
+        </p:blipFill>
+        <p:spPr bwMode="auto">
+          <a:xfrm>
+            <a:off x="10882874" y="17036"/>
+            <a:ext cx="1243963" cy="1072043"/>
+          </a:xfrm>
+          <a:prstGeom prst="rect">
+            <a:avLst/>
+          </a:prstGeom>
+          <a:noFill/>
+          <a:ln>
+            <a:noFill/>
+          </a:ln>
+        </p:spPr>
+      </p:pic>
     </p:spTree>
     <p:extLst>
       <p:ext uri="{BB962C8B-B14F-4D97-AF65-F5344CB8AC3E}">
@@ -4134,13 +4149,6 @@
   <p:clrMapOvr>
     <a:masterClrMapping/>
   </p:clrMapOvr>
-  <p:timing>
-    <p:tnLst>
-      <p:par>
-        <p:cTn id="1" dur="indefinite" restart="never" nodeType="tmRoot"/>
-      </p:par>
-    </p:tnLst>
-  </p:timing>
 </p:sld>
 </file>
 
